--- a/DOCUMENTATION/USER-MANUAL-PRESENTATION.pptx
+++ b/DOCUMENTATION/USER-MANUAL-PRESENTATION.pptx
@@ -249,7 +249,7 @@
           <a:p>
             <a:fld id="{D9534E93-FBFB-490D-8C23-938FF508508D}" type="datetimeFigureOut">
               <a:rPr lang="en-US" smtClean="0"/>
-              <a:t>1/19/2023</a:t>
+              <a:t>1/20/2023</a:t>
             </a:fld>
             <a:endParaRPr lang="en-US"/>
           </a:p>
@@ -419,7 +419,7 @@
           <a:p>
             <a:fld id="{D9534E93-FBFB-490D-8C23-938FF508508D}" type="datetimeFigureOut">
               <a:rPr lang="en-US" smtClean="0"/>
-              <a:t>1/19/2023</a:t>
+              <a:t>1/20/2023</a:t>
             </a:fld>
             <a:endParaRPr lang="en-US"/>
           </a:p>
@@ -599,7 +599,7 @@
           <a:p>
             <a:fld id="{D9534E93-FBFB-490D-8C23-938FF508508D}" type="datetimeFigureOut">
               <a:rPr lang="en-US" smtClean="0"/>
-              <a:t>1/19/2023</a:t>
+              <a:t>1/20/2023</a:t>
             </a:fld>
             <a:endParaRPr lang="en-US"/>
           </a:p>
@@ -769,7 +769,7 @@
           <a:p>
             <a:fld id="{D9534E93-FBFB-490D-8C23-938FF508508D}" type="datetimeFigureOut">
               <a:rPr lang="en-US" smtClean="0"/>
-              <a:t>1/19/2023</a:t>
+              <a:t>1/20/2023</a:t>
             </a:fld>
             <a:endParaRPr lang="en-US"/>
           </a:p>
@@ -1013,7 +1013,7 @@
           <a:p>
             <a:fld id="{D9534E93-FBFB-490D-8C23-938FF508508D}" type="datetimeFigureOut">
               <a:rPr lang="en-US" smtClean="0"/>
-              <a:t>1/19/2023</a:t>
+              <a:t>1/20/2023</a:t>
             </a:fld>
             <a:endParaRPr lang="en-US"/>
           </a:p>
@@ -1245,7 +1245,7 @@
           <a:p>
             <a:fld id="{D9534E93-FBFB-490D-8C23-938FF508508D}" type="datetimeFigureOut">
               <a:rPr lang="en-US" smtClean="0"/>
-              <a:t>1/19/2023</a:t>
+              <a:t>1/20/2023</a:t>
             </a:fld>
             <a:endParaRPr lang="en-US"/>
           </a:p>
@@ -1612,7 +1612,7 @@
           <a:p>
             <a:fld id="{D9534E93-FBFB-490D-8C23-938FF508508D}" type="datetimeFigureOut">
               <a:rPr lang="en-US" smtClean="0"/>
-              <a:t>1/19/2023</a:t>
+              <a:t>1/20/2023</a:t>
             </a:fld>
             <a:endParaRPr lang="en-US"/>
           </a:p>
@@ -1730,7 +1730,7 @@
           <a:p>
             <a:fld id="{D9534E93-FBFB-490D-8C23-938FF508508D}" type="datetimeFigureOut">
               <a:rPr lang="en-US" smtClean="0"/>
-              <a:t>1/19/2023</a:t>
+              <a:t>1/20/2023</a:t>
             </a:fld>
             <a:endParaRPr lang="en-US"/>
           </a:p>
@@ -1825,7 +1825,7 @@
           <a:p>
             <a:fld id="{D9534E93-FBFB-490D-8C23-938FF508508D}" type="datetimeFigureOut">
               <a:rPr lang="en-US" smtClean="0"/>
-              <a:t>1/19/2023</a:t>
+              <a:t>1/20/2023</a:t>
             </a:fld>
             <a:endParaRPr lang="en-US"/>
           </a:p>
@@ -2102,7 +2102,7 @@
           <a:p>
             <a:fld id="{D9534E93-FBFB-490D-8C23-938FF508508D}" type="datetimeFigureOut">
               <a:rPr lang="en-US" smtClean="0"/>
-              <a:t>1/19/2023</a:t>
+              <a:t>1/20/2023</a:t>
             </a:fld>
             <a:endParaRPr lang="en-US"/>
           </a:p>
@@ -2359,7 +2359,7 @@
           <a:p>
             <a:fld id="{D9534E93-FBFB-490D-8C23-938FF508508D}" type="datetimeFigureOut">
               <a:rPr lang="en-US" smtClean="0"/>
-              <a:t>1/19/2023</a:t>
+              <a:t>1/20/2023</a:t>
             </a:fld>
             <a:endParaRPr lang="en-US"/>
           </a:p>
@@ -2572,7 +2572,7 @@
           <a:p>
             <a:fld id="{D9534E93-FBFB-490D-8C23-938FF508508D}" type="datetimeFigureOut">
               <a:rPr lang="en-US" smtClean="0"/>
-              <a:t>1/19/2023</a:t>
+              <a:t>1/20/2023</a:t>
             </a:fld>
             <a:endParaRPr lang="en-US"/>
           </a:p>
@@ -3297,19 +3297,6 @@
               </a:rPr>
               <a:t>Football statistics</a:t>
             </a:r>
-            <a:r>
-              <a:rPr lang="en-US" sz="2000" b="1" dirty="0">
-                <a:effectLst>
-                  <a:outerShdw blurRad="38100" dist="38100" dir="2700000" algn="tl">
-                    <a:srgbClr val="000000">
-                      <a:alpha val="43137"/>
-                    </a:srgbClr>
-                  </a:outerShdw>
-                </a:effectLst>
-                <a:latin typeface="Abadi" panose="020B0604020104020204" pitchFamily="34" charset="0"/>
-              </a:rPr>
-              <a:t/>
-            </a:r>
             <a:br>
               <a:rPr lang="en-US" sz="2000" b="1" dirty="0">
                 <a:effectLst>
@@ -3362,44 +3349,8 @@
                 </a:effectLst>
                 <a:latin typeface="Abadi" panose="020B0604020104020204" pitchFamily="34" charset="0"/>
               </a:rPr>
-              <a:t>Do you </a:t>
+              <a:t>Do you want to know everything based on real data?</a:t>
             </a:r>
-            <a:r>
-              <a:rPr lang="en-US" sz="1600" b="1" dirty="0" smtClean="0">
-                <a:effectLst>
-                  <a:outerShdw blurRad="38100" dist="38100" dir="2700000" algn="tl">
-                    <a:srgbClr val="000000">
-                      <a:alpha val="43137"/>
-                    </a:srgbClr>
-                  </a:outerShdw>
-                </a:effectLst>
-                <a:latin typeface="Abadi" panose="020B0604020104020204" pitchFamily="34" charset="0"/>
-              </a:rPr>
-              <a:t>want </a:t>
-            </a:r>
-            <a:r>
-              <a:rPr lang="en-US" sz="1600" b="1" dirty="0" smtClean="0">
-                <a:effectLst>
-                  <a:outerShdw blurRad="38100" dist="38100" dir="2700000" algn="tl">
-                    <a:srgbClr val="000000">
-                      <a:alpha val="43137"/>
-                    </a:srgbClr>
-                  </a:outerShdw>
-                </a:effectLst>
-                <a:latin typeface="Abadi" panose="020B0604020104020204" pitchFamily="34" charset="0"/>
-              </a:rPr>
-              <a:t>to know everything based on real data?</a:t>
-            </a:r>
-            <a:endParaRPr lang="en-US" sz="1600" b="1" dirty="0">
-              <a:effectLst>
-                <a:outerShdw blurRad="38100" dist="38100" dir="2700000" algn="tl">
-                  <a:srgbClr val="000000">
-                    <a:alpha val="43137"/>
-                  </a:srgbClr>
-                </a:outerShdw>
-              </a:effectLst>
-              <a:latin typeface="Abadi" panose="020B0604020104020204" pitchFamily="34" charset="0"/>
-            </a:endParaRPr>
           </a:p>
           <a:p>
             <a:pPr algn="ctr"/>
@@ -3460,7 +3411,7 @@
                   <a14:useLocalDpi xmlns:a14="http://schemas.microsoft.com/office/drawing/2010/main" val="0"/>
                 </a:ext>
                 <a:ext uri="{96DAC541-7B7A-43D3-8B79-37D633B846F1}">
-                  <asvg:svgBlip xmlns:asvg="http://schemas.microsoft.com/office/drawing/2016/SVG/main" xmlns="" r:embed="rId4"/>
+                  <asvg:svgBlip xmlns:asvg="http://schemas.microsoft.com/office/drawing/2016/SVG/main" r:embed="rId4"/>
                 </a:ext>
               </a:extLst>
             </a:blip>
@@ -3565,7 +3516,7 @@
                   <a14:useLocalDpi xmlns:a14="http://schemas.microsoft.com/office/drawing/2010/main" val="0"/>
                 </a:ext>
                 <a:ext uri="{96DAC541-7B7A-43D3-8B79-37D633B846F1}">
-                  <asvg:svgBlip xmlns:asvg="http://schemas.microsoft.com/office/drawing/2016/SVG/main" xmlns="" r:embed="rId6"/>
+                  <asvg:svgBlip xmlns:asvg="http://schemas.microsoft.com/office/drawing/2016/SVG/main" r:embed="rId6"/>
                 </a:ext>
               </a:extLst>
             </a:blip>
@@ -3670,7 +3621,7 @@
                   <a14:useLocalDpi xmlns:a14="http://schemas.microsoft.com/office/drawing/2010/main" val="0"/>
                 </a:ext>
                 <a:ext uri="{96DAC541-7B7A-43D3-8B79-37D633B846F1}">
-                  <asvg:svgBlip xmlns:asvg="http://schemas.microsoft.com/office/drawing/2016/SVG/main" xmlns="" r:embed="rId8"/>
+                  <asvg:svgBlip xmlns:asvg="http://schemas.microsoft.com/office/drawing/2016/SVG/main" r:embed="rId8"/>
                 </a:ext>
               </a:extLst>
             </a:blip>
@@ -3775,7 +3726,7 @@
                   <a14:useLocalDpi xmlns:a14="http://schemas.microsoft.com/office/drawing/2010/main" val="0"/>
                 </a:ext>
                 <a:ext uri="{96DAC541-7B7A-43D3-8B79-37D633B846F1}">
-                  <asvg:svgBlip xmlns:asvg="http://schemas.microsoft.com/office/drawing/2016/SVG/main" xmlns="" r:embed="rId10"/>
+                  <asvg:svgBlip xmlns:asvg="http://schemas.microsoft.com/office/drawing/2016/SVG/main" r:embed="rId10"/>
                 </a:ext>
               </a:extLst>
             </a:blip>
@@ -3880,7 +3831,7 @@
                   <a14:useLocalDpi xmlns:a14="http://schemas.microsoft.com/office/drawing/2010/main" val="0"/>
                 </a:ext>
                 <a:ext uri="{96DAC541-7B7A-43D3-8B79-37D633B846F1}">
-                  <asvg:svgBlip xmlns:asvg="http://schemas.microsoft.com/office/drawing/2016/SVG/main" xmlns="" r:embed="rId12"/>
+                  <asvg:svgBlip xmlns:asvg="http://schemas.microsoft.com/office/drawing/2016/SVG/main" r:embed="rId12"/>
                 </a:ext>
               </a:extLst>
             </a:blip>
@@ -3985,7 +3936,7 @@
                   <a14:useLocalDpi xmlns:a14="http://schemas.microsoft.com/office/drawing/2010/main" val="0"/>
                 </a:ext>
                 <a:ext uri="{96DAC541-7B7A-43D3-8B79-37D633B846F1}">
-                  <asvg:svgBlip xmlns:asvg="http://schemas.microsoft.com/office/drawing/2016/SVG/main" xmlns="" r:embed="rId14"/>
+                  <asvg:svgBlip xmlns:asvg="http://schemas.microsoft.com/office/drawing/2016/SVG/main" r:embed="rId14"/>
                 </a:ext>
               </a:extLst>
             </a:blip>
@@ -4398,7 +4349,7 @@
                   <a14:useLocalDpi xmlns:a14="http://schemas.microsoft.com/office/drawing/2010/main" val="0"/>
                 </a:ext>
                 <a:ext uri="{96DAC541-7B7A-43D3-8B79-37D633B846F1}">
-                  <asvg:svgBlip xmlns:asvg="http://schemas.microsoft.com/office/drawing/2016/SVG/main" xmlns="" r:embed="rId4"/>
+                  <asvg:svgBlip xmlns:asvg="http://schemas.microsoft.com/office/drawing/2016/SVG/main" r:embed="rId4"/>
                 </a:ext>
               </a:extLst>
             </a:blip>
@@ -4462,6 +4413,36 @@
           </p:txBody>
         </p:sp>
       </p:grpSp>
+      <p:pic>
+        <p:nvPicPr>
+          <p:cNvPr id="3" name="Picture 2">
+            <a:extLst>
+              <a:ext uri="{FF2B5EF4-FFF2-40B4-BE49-F238E27FC236}">
+                <a16:creationId xmlns:a16="http://schemas.microsoft.com/office/drawing/2014/main" id="{3E6342F5-12FF-9AE3-BD63-53227EA2E29D}"/>
+              </a:ext>
+            </a:extLst>
+          </p:cNvPr>
+          <p:cNvPicPr>
+            <a:picLocks noChangeAspect="1"/>
+          </p:cNvPicPr>
+          <p:nvPr/>
+        </p:nvPicPr>
+        <p:blipFill>
+          <a:blip r:embed="rId5"/>
+          <a:stretch>
+            <a:fillRect/>
+          </a:stretch>
+        </p:blipFill>
+        <p:spPr>
+          <a:xfrm>
+            <a:off x="1107658" y="2604849"/>
+            <a:ext cx="6487430" cy="933580"/>
+          </a:xfrm>
+          <a:prstGeom prst="rect">
+            <a:avLst/>
+          </a:prstGeom>
+        </p:spPr>
+      </p:pic>
     </p:spTree>
     <p:extLst>
       <p:ext uri="{BB962C8B-B14F-4D97-AF65-F5344CB8AC3E}">
@@ -4811,7 +4792,7 @@
                   <a14:useLocalDpi xmlns:a14="http://schemas.microsoft.com/office/drawing/2010/main" val="0"/>
                 </a:ext>
                 <a:ext uri="{96DAC541-7B7A-43D3-8B79-37D633B846F1}">
-                  <asvg:svgBlip xmlns:asvg="http://schemas.microsoft.com/office/drawing/2016/SVG/main" xmlns="" r:embed="rId4"/>
+                  <asvg:svgBlip xmlns:asvg="http://schemas.microsoft.com/office/drawing/2016/SVG/main" r:embed="rId4"/>
                 </a:ext>
               </a:extLst>
             </a:blip>
@@ -4875,6 +4856,36 @@
           </p:txBody>
         </p:sp>
       </p:grpSp>
+      <p:pic>
+        <p:nvPicPr>
+          <p:cNvPr id="11" name="Picture 10">
+            <a:extLst>
+              <a:ext uri="{FF2B5EF4-FFF2-40B4-BE49-F238E27FC236}">
+                <a16:creationId xmlns:a16="http://schemas.microsoft.com/office/drawing/2014/main" id="{F82D6B20-E067-C0FE-1C60-8E2615576F51}"/>
+              </a:ext>
+            </a:extLst>
+          </p:cNvPr>
+          <p:cNvPicPr>
+            <a:picLocks noChangeAspect="1"/>
+          </p:cNvPicPr>
+          <p:nvPr/>
+        </p:nvPicPr>
+        <p:blipFill>
+          <a:blip r:embed="rId5"/>
+          <a:stretch>
+            <a:fillRect/>
+          </a:stretch>
+        </p:blipFill>
+        <p:spPr>
+          <a:xfrm>
+            <a:off x="1101029" y="1851645"/>
+            <a:ext cx="5800659" cy="3651176"/>
+          </a:xfrm>
+          <a:prstGeom prst="rect">
+            <a:avLst/>
+          </a:prstGeom>
+        </p:spPr>
+      </p:pic>
     </p:spTree>
     <p:extLst>
       <p:ext uri="{BB962C8B-B14F-4D97-AF65-F5344CB8AC3E}">
@@ -5224,7 +5235,7 @@
                   <a14:useLocalDpi xmlns:a14="http://schemas.microsoft.com/office/drawing/2010/main" val="0"/>
                 </a:ext>
                 <a:ext uri="{96DAC541-7B7A-43D3-8B79-37D633B846F1}">
-                  <asvg:svgBlip xmlns:asvg="http://schemas.microsoft.com/office/drawing/2016/SVG/main" xmlns="" r:embed="rId4"/>
+                  <asvg:svgBlip xmlns:asvg="http://schemas.microsoft.com/office/drawing/2016/SVG/main" r:embed="rId4"/>
                 </a:ext>
               </a:extLst>
             </a:blip>
@@ -5288,6 +5299,36 @@
           </p:txBody>
         </p:sp>
       </p:grpSp>
+      <p:pic>
+        <p:nvPicPr>
+          <p:cNvPr id="3" name="Picture 2">
+            <a:extLst>
+              <a:ext uri="{FF2B5EF4-FFF2-40B4-BE49-F238E27FC236}">
+                <a16:creationId xmlns:a16="http://schemas.microsoft.com/office/drawing/2014/main" id="{E75594B8-E5FE-4CA7-7034-8C6916D33230}"/>
+              </a:ext>
+            </a:extLst>
+          </p:cNvPr>
+          <p:cNvPicPr>
+            <a:picLocks noChangeAspect="1"/>
+          </p:cNvPicPr>
+          <p:nvPr/>
+        </p:nvPicPr>
+        <p:blipFill>
+          <a:blip r:embed="rId5"/>
+          <a:stretch>
+            <a:fillRect/>
+          </a:stretch>
+        </p:blipFill>
+        <p:spPr>
+          <a:xfrm>
+            <a:off x="3189161" y="2171547"/>
+            <a:ext cx="2324424" cy="2772162"/>
+          </a:xfrm>
+          <a:prstGeom prst="rect">
+            <a:avLst/>
+          </a:prstGeom>
+        </p:spPr>
+      </p:pic>
     </p:spTree>
     <p:extLst>
       <p:ext uri="{BB962C8B-B14F-4D97-AF65-F5344CB8AC3E}">
@@ -5682,7 +5723,7 @@
                   <a14:useLocalDpi xmlns:a14="http://schemas.microsoft.com/office/drawing/2010/main" val="0"/>
                 </a:ext>
                 <a:ext uri="{96DAC541-7B7A-43D3-8B79-37D633B846F1}">
-                  <asvg:svgBlip xmlns:asvg="http://schemas.microsoft.com/office/drawing/2016/SVG/main" xmlns="" r:embed="rId4"/>
+                  <asvg:svgBlip xmlns:asvg="http://schemas.microsoft.com/office/drawing/2016/SVG/main" r:embed="rId4"/>
                 </a:ext>
               </a:extLst>
             </a:blip>
@@ -5701,6 +5742,36 @@
           </p:spPr>
         </p:pic>
       </p:grpSp>
+      <p:pic>
+        <p:nvPicPr>
+          <p:cNvPr id="3" name="Picture 2">
+            <a:extLst>
+              <a:ext uri="{FF2B5EF4-FFF2-40B4-BE49-F238E27FC236}">
+                <a16:creationId xmlns:a16="http://schemas.microsoft.com/office/drawing/2014/main" id="{A4C3DF41-F946-36CC-1E28-8091261231AA}"/>
+              </a:ext>
+            </a:extLst>
+          </p:cNvPr>
+          <p:cNvPicPr>
+            <a:picLocks noChangeAspect="1"/>
+          </p:cNvPicPr>
+          <p:nvPr/>
+        </p:nvPicPr>
+        <p:blipFill>
+          <a:blip r:embed="rId5"/>
+          <a:stretch>
+            <a:fillRect/>
+          </a:stretch>
+        </p:blipFill>
+        <p:spPr>
+          <a:xfrm>
+            <a:off x="3434721" y="2053152"/>
+            <a:ext cx="1844190" cy="2991862"/>
+          </a:xfrm>
+          <a:prstGeom prst="rect">
+            <a:avLst/>
+          </a:prstGeom>
+        </p:spPr>
+      </p:pic>
     </p:spTree>
     <p:extLst>
       <p:ext uri="{BB962C8B-B14F-4D97-AF65-F5344CB8AC3E}">
@@ -6050,7 +6121,7 @@
                   <a14:useLocalDpi xmlns:a14="http://schemas.microsoft.com/office/drawing/2010/main" val="0"/>
                 </a:ext>
                 <a:ext uri="{96DAC541-7B7A-43D3-8B79-37D633B846F1}">
-                  <asvg:svgBlip xmlns:asvg="http://schemas.microsoft.com/office/drawing/2016/SVG/main" xmlns="" r:embed="rId4"/>
+                  <asvg:svgBlip xmlns:asvg="http://schemas.microsoft.com/office/drawing/2016/SVG/main" r:embed="rId4"/>
                 </a:ext>
               </a:extLst>
             </a:blip>
@@ -6114,6 +6185,36 @@
           </p:txBody>
         </p:sp>
       </p:grpSp>
+      <p:pic>
+        <p:nvPicPr>
+          <p:cNvPr id="11" name="Picture 10">
+            <a:extLst>
+              <a:ext uri="{FF2B5EF4-FFF2-40B4-BE49-F238E27FC236}">
+                <a16:creationId xmlns:a16="http://schemas.microsoft.com/office/drawing/2014/main" id="{90A5FDAC-8E93-3C14-D528-62C30086B043}"/>
+              </a:ext>
+            </a:extLst>
+          </p:cNvPr>
+          <p:cNvPicPr>
+            <a:picLocks noChangeAspect="1"/>
+          </p:cNvPicPr>
+          <p:nvPr/>
+        </p:nvPicPr>
+        <p:blipFill>
+          <a:blip r:embed="rId5"/>
+          <a:stretch>
+            <a:fillRect/>
+          </a:stretch>
+        </p:blipFill>
+        <p:spPr>
+          <a:xfrm>
+            <a:off x="1985601" y="1990641"/>
+            <a:ext cx="5172797" cy="2829320"/>
+          </a:xfrm>
+          <a:prstGeom prst="rect">
+            <a:avLst/>
+          </a:prstGeom>
+        </p:spPr>
+      </p:pic>
     </p:spTree>
     <p:extLst>
       <p:ext uri="{BB962C8B-B14F-4D97-AF65-F5344CB8AC3E}">
@@ -6463,7 +6564,7 @@
                   <a14:useLocalDpi xmlns:a14="http://schemas.microsoft.com/office/drawing/2010/main" val="0"/>
                 </a:ext>
                 <a:ext uri="{96DAC541-7B7A-43D3-8B79-37D633B846F1}">
-                  <asvg:svgBlip xmlns:asvg="http://schemas.microsoft.com/office/drawing/2016/SVG/main" xmlns="" r:embed="rId4"/>
+                  <asvg:svgBlip xmlns:asvg="http://schemas.microsoft.com/office/drawing/2016/SVG/main" r:embed="rId4"/>
                 </a:ext>
               </a:extLst>
             </a:blip>
@@ -6527,6 +6628,36 @@
           </p:txBody>
         </p:sp>
       </p:grpSp>
+      <p:pic>
+        <p:nvPicPr>
+          <p:cNvPr id="3" name="Picture 2">
+            <a:extLst>
+              <a:ext uri="{FF2B5EF4-FFF2-40B4-BE49-F238E27FC236}">
+                <a16:creationId xmlns:a16="http://schemas.microsoft.com/office/drawing/2014/main" id="{6E73C847-5573-A120-6DF0-4C3DAD06EB98}"/>
+              </a:ext>
+            </a:extLst>
+          </p:cNvPr>
+          <p:cNvPicPr>
+            <a:picLocks noChangeAspect="1"/>
+          </p:cNvPicPr>
+          <p:nvPr/>
+        </p:nvPicPr>
+        <p:blipFill>
+          <a:blip r:embed="rId5"/>
+          <a:stretch>
+            <a:fillRect/>
+          </a:stretch>
+        </p:blipFill>
+        <p:spPr>
+          <a:xfrm>
+            <a:off x="680494" y="2285872"/>
+            <a:ext cx="7783011" cy="1829055"/>
+          </a:xfrm>
+          <a:prstGeom prst="rect">
+            <a:avLst/>
+          </a:prstGeom>
+        </p:spPr>
+      </p:pic>
     </p:spTree>
     <p:extLst>
       <p:ext uri="{BB962C8B-B14F-4D97-AF65-F5344CB8AC3E}">
